--- a/synthesis.pptx
+++ b/synthesis.pptx
@@ -3403,14 +3403,14 @@
             <p:ph idx="1"/>
             <p:extLst>
               <p:ext uri="{D42A27DB-BD31-4B8C-83A1-F6EECF244321}">
-                <p14:modId xmlns:p14="http://schemas.microsoft.com/office/powerpoint/2010/main" val="3844327688"/>
+                <p14:modId xmlns:p14="http://schemas.microsoft.com/office/powerpoint/2010/main" val="739635881"/>
               </p:ext>
             </p:extLst>
           </p:nvPr>
         </p:nvGraphicFramePr>
         <p:xfrm>
           <a:off x="838200" y="1847111"/>
-          <a:ext cx="10515603" cy="3312160"/>
+          <a:ext cx="10515603" cy="4226560"/>
         </p:xfrm>
         <a:graphic>
           <a:graphicData uri="http://schemas.openxmlformats.org/drawingml/2006/table">
@@ -3596,7 +3596,7 @@
                       </a:r>
                       <a:r>
                         <a:rPr lang="fr-FR" sz="1200" dirty="0" err="1"/>
-                        <a:t>c_clusters</a:t>
+                        <a:t>n_clusters</a:t>
                       </a:r>
                       <a:r>
                         <a:rPr lang="fr-FR" sz="1200" dirty="0"/>
@@ -3744,7 +3744,7 @@
                   </a:txBody>
                   <a:tcPr/>
                 </a:tc>
-                <a:tc>
+                <a:tc gridSpan="2">
                   <a:txBody>
                     <a:bodyPr/>
                     <a:lstStyle/>
@@ -3758,7 +3758,7 @@
                   </a:txBody>
                   <a:tcPr/>
                 </a:tc>
-                <a:tc>
+                <a:tc hMerge="1">
                   <a:txBody>
                     <a:bodyPr/>
                     <a:lstStyle/>
@@ -3772,7 +3772,7 @@
                   </a:txBody>
                   <a:tcPr/>
                 </a:tc>
-                <a:tc>
+                <a:tc gridSpan="2">
                   <a:txBody>
                     <a:bodyPr/>
                     <a:lstStyle/>
@@ -3786,7 +3786,7 @@
                   </a:txBody>
                   <a:tcPr/>
                 </a:tc>
-                <a:tc>
+                <a:tc hMerge="1">
                   <a:txBody>
                     <a:bodyPr/>
                     <a:lstStyle/>
@@ -3797,7 +3797,7 @@
                   </a:txBody>
                   <a:tcPr/>
                 </a:tc>
-                <a:tc>
+                <a:tc gridSpan="2">
                   <a:txBody>
                     <a:bodyPr/>
                     <a:lstStyle/>
@@ -3811,7 +3811,7 @@
                   </a:txBody>
                   <a:tcPr/>
                 </a:tc>
-                <a:tc>
+                <a:tc hMerge="1">
                   <a:txBody>
                     <a:bodyPr/>
                     <a:lstStyle/>
@@ -4274,62 +4274,181 @@
                   </a:ext>
                 </a:extLst>
               </a:tr>
+              <a:tr h="370840">
+                <a:tc>
+                  <a:txBody>
+                    <a:bodyPr/>
+                    <a:lstStyle/>
+                    <a:p>
+                      <a:r>
+                        <a:rPr lang="fr-FR" dirty="0"/>
+                        <a:t>Comment</a:t>
+                      </a:r>
+                    </a:p>
+                  </a:txBody>
+                  <a:tcPr/>
+                </a:tc>
+                <a:tc gridSpan="2">
+                  <a:txBody>
+                    <a:bodyPr/>
+                    <a:lstStyle/>
+                    <a:p>
+                      <a:pPr algn="ctr"/>
+                      <a:r>
+                        <a:rPr lang="fr-FR" dirty="0" err="1"/>
+                        <a:t>Intermediate</a:t>
+                      </a:r>
+                      <a:r>
+                        <a:rPr lang="fr-FR" dirty="0"/>
+                        <a:t> </a:t>
+                      </a:r>
+                      <a:r>
+                        <a:rPr lang="fr-FR" dirty="0" err="1"/>
+                        <a:t>scoring</a:t>
+                      </a:r>
+                      <a:r>
+                        <a:rPr lang="fr-FR" dirty="0"/>
+                        <a:t> but split Manhattan in 3 areas (South, North, West)</a:t>
+                      </a:r>
+                    </a:p>
+                  </a:txBody>
+                  <a:tcPr/>
+                </a:tc>
+                <a:tc hMerge="1">
+                  <a:txBody>
+                    <a:bodyPr/>
+                    <a:lstStyle/>
+                    <a:p>
+                      <a:pPr algn="ctr"/>
+                      <a:endParaRPr lang="fr-FR" dirty="0"/>
+                    </a:p>
+                  </a:txBody>
+                  <a:tcPr/>
+                </a:tc>
+                <a:tc gridSpan="2">
+                  <a:txBody>
+                    <a:bodyPr/>
+                    <a:lstStyle/>
+                    <a:p>
+                      <a:pPr algn="ctr"/>
+                      <a:r>
+                        <a:rPr lang="fr-FR" dirty="0"/>
+                        <a:t>Poor </a:t>
+                      </a:r>
+                      <a:r>
+                        <a:rPr lang="fr-FR" dirty="0" err="1"/>
+                        <a:t>scoring</a:t>
+                      </a:r>
+                      <a:r>
+                        <a:rPr lang="fr-FR" dirty="0"/>
+                        <a:t> but able to </a:t>
+                      </a:r>
+                      <a:r>
+                        <a:rPr lang="fr-FR" dirty="0" err="1"/>
+                        <a:t>detect</a:t>
+                      </a:r>
+                      <a:r>
+                        <a:rPr lang="fr-FR" dirty="0"/>
+                        <a:t> </a:t>
+                      </a:r>
+                      <a:r>
+                        <a:rPr lang="fr-FR" dirty="0" err="1"/>
+                        <a:t>NYC’s</a:t>
+                      </a:r>
+                      <a:r>
+                        <a:rPr lang="fr-FR" dirty="0"/>
+                        <a:t> 3 </a:t>
+                      </a:r>
+                      <a:r>
+                        <a:rPr lang="fr-FR" dirty="0" err="1"/>
+                        <a:t>biggest</a:t>
+                      </a:r>
+                      <a:r>
+                        <a:rPr lang="fr-FR" dirty="0"/>
+                        <a:t> </a:t>
+                      </a:r>
+                      <a:r>
+                        <a:rPr lang="fr-FR" dirty="0" err="1"/>
+                        <a:t>aiports</a:t>
+                      </a:r>
+                      <a:r>
+                        <a:rPr lang="fr-FR" dirty="0"/>
+                        <a:t>, Manhattan, and the </a:t>
+                      </a:r>
+                      <a:r>
+                        <a:rPr lang="fr-FR" dirty="0" err="1"/>
+                        <a:t>suburbs</a:t>
+                      </a:r>
+                      <a:r>
+                        <a:rPr lang="fr-FR" dirty="0"/>
+                        <a:t>.</a:t>
+                      </a:r>
+                    </a:p>
+                  </a:txBody>
+                  <a:tcPr/>
+                </a:tc>
+                <a:tc hMerge="1">
+                  <a:txBody>
+                    <a:bodyPr/>
+                    <a:lstStyle/>
+                    <a:p>
+                      <a:pPr algn="ctr"/>
+                      <a:endParaRPr lang="fr-FR" dirty="0"/>
+                    </a:p>
+                  </a:txBody>
+                  <a:tcPr/>
+                </a:tc>
+                <a:tc gridSpan="2">
+                  <a:txBody>
+                    <a:bodyPr/>
+                    <a:lstStyle/>
+                    <a:p>
+                      <a:pPr algn="ctr"/>
+                      <a:r>
+                        <a:rPr lang="fr-FR" dirty="0"/>
+                        <a:t>Best </a:t>
+                      </a:r>
+                      <a:r>
+                        <a:rPr lang="fr-FR" dirty="0" err="1"/>
+                        <a:t>scoring</a:t>
+                      </a:r>
+                      <a:r>
+                        <a:rPr lang="fr-FR" dirty="0"/>
+                        <a:t> but simple model (Manhattan / </a:t>
+                      </a:r>
+                      <a:r>
+                        <a:rPr lang="fr-FR" dirty="0" err="1"/>
+                        <a:t>suburbs</a:t>
+                      </a:r>
+                      <a:r>
+                        <a:rPr lang="fr-FR" dirty="0"/>
+                        <a:t>)</a:t>
+                      </a:r>
+                    </a:p>
+                  </a:txBody>
+                  <a:tcPr/>
+                </a:tc>
+                <a:tc hMerge="1">
+                  <a:txBody>
+                    <a:bodyPr/>
+                    <a:lstStyle/>
+                    <a:p>
+                      <a:pPr algn="ctr"/>
+                      <a:endParaRPr lang="fr-FR" dirty="0"/>
+                    </a:p>
+                  </a:txBody>
+                  <a:tcPr/>
+                </a:tc>
+                <a:extLst>
+                  <a:ext uri="{0D108BD9-81ED-4DB2-BD59-A6C34878D82A}">
+                    <a16:rowId xmlns:a16="http://schemas.microsoft.com/office/drawing/2014/main" val="3951569857"/>
+                  </a:ext>
+                </a:extLst>
+              </a:tr>
             </a:tbl>
           </a:graphicData>
         </a:graphic>
       </p:graphicFrame>
-      <p:sp>
-        <p:nvSpPr>
-          <p:cNvPr id="5" name="Rectangle : coins arrondis 4">
-            <a:extLst>
-              <a:ext uri="{FF2B5EF4-FFF2-40B4-BE49-F238E27FC236}">
-                <a16:creationId xmlns:a16="http://schemas.microsoft.com/office/drawing/2014/main" id="{BA5FB33A-0759-3A49-97F2-29A6F1AEB614}"/>
-              </a:ext>
-            </a:extLst>
-          </p:cNvPr>
-          <p:cNvSpPr/>
-          <p:nvPr/>
-        </p:nvSpPr>
-        <p:spPr>
-          <a:xfrm>
-            <a:off x="8292527" y="1690687"/>
-            <a:ext cx="3234909" cy="3645811"/>
-          </a:xfrm>
-          <a:prstGeom prst="roundRect">
-            <a:avLst/>
-          </a:prstGeom>
-          <a:noFill/>
-          <a:ln w="38100">
-            <a:solidFill>
-              <a:srgbClr val="FF0000"/>
-            </a:solidFill>
-          </a:ln>
-        </p:spPr>
-        <p:style>
-          <a:lnRef idx="2">
-            <a:schemeClr val="accent1">
-              <a:shade val="50000"/>
-            </a:schemeClr>
-          </a:lnRef>
-          <a:fillRef idx="1">
-            <a:schemeClr val="accent1"/>
-          </a:fillRef>
-          <a:effectRef idx="0">
-            <a:schemeClr val="accent1"/>
-          </a:effectRef>
-          <a:fontRef idx="minor">
-            <a:schemeClr val="lt1"/>
-          </a:fontRef>
-        </p:style>
-        <p:txBody>
-          <a:bodyPr rtlCol="0" anchor="ctr"/>
-          <a:lstStyle/>
-          <a:p>
-            <a:pPr algn="ctr"/>
-            <a:endParaRPr lang="fr-FR"/>
-          </a:p>
-        </p:txBody>
-      </p:sp>
     </p:spTree>
     <p:extLst>
       <p:ext uri="{BB962C8B-B14F-4D97-AF65-F5344CB8AC3E}">
